--- a/Quiz/quiz8/4-1PointerLinkingQuiz8_LeeGyeongmin.pptx
+++ b/Quiz/quiz8/4-1PointerLinkingQuiz8_LeeGyeongmin.pptx
@@ -209,7 +209,7 @@
           <a:p>
             <a:fld id="{648057B7-EFC7-4AC6-B479-CDD44EB7D654}" type="datetimeFigureOut">
               <a:rPr lang="ko-KR" altLang="en-US" smtClean="0"/>
-              <a:t>2022. 10. 14.</a:t>
+              <a:t>2022. 10. 17.</a:t>
             </a:fld>
             <a:endParaRPr lang="ko-KR" altLang="en-US"/>
           </a:p>
